--- a/PPT/Go 12.pptx
+++ b/PPT/Go 12.pptx
@@ -7235,7 +7235,7 @@
           <a:p>
             <a:fld id="{397E0307-B85C-446A-8EF0-0407D435D787}" type="datetimeFigureOut">
               <a:rPr lang="en-US" smtClean="0"/>
-              <a:t>8/8/2020</a:t>
+              <a:t>9/26/2021</a:t>
             </a:fld>
             <a:endParaRPr lang="en-US" dirty="0"/>
           </a:p>
@@ -7649,7 +7649,7 @@
           <a:p>
             <a:fld id="{8BD862E7-95FA-4FC4-9EC5-DDBFA8DC7417}" type="datetimeFigureOut">
               <a:rPr lang="en-US" smtClean="0"/>
-              <a:t>8/8/2020</a:t>
+              <a:t>9/26/2021</a:t>
             </a:fld>
             <a:endParaRPr lang="en-US" dirty="0"/>
           </a:p>
@@ -7985,7 +7985,7 @@
           <a:p>
             <a:fld id="{8DB987F2-A784-4F72-BB57-0E9EACDE722E}" type="datetimeFigureOut">
               <a:rPr lang="en-US" smtClean="0"/>
-              <a:t>8/8/2020</a:t>
+              <a:t>9/26/2021</a:t>
             </a:fld>
             <a:endParaRPr lang="en-US" dirty="0"/>
           </a:p>
@@ -8390,7 +8390,7 @@
           <a:p>
             <a:fld id="{40BBD51E-4B19-444E-85C0-DBD7EB6263F4}" type="datetimeFigureOut">
               <a:rPr lang="en-US" smtClean="0"/>
-              <a:t>8/8/2020</a:t>
+              <a:t>9/26/2021</a:t>
             </a:fld>
             <a:endParaRPr lang="en-US" dirty="0"/>
           </a:p>
@@ -8958,7 +8958,7 @@
           <a:p>
             <a:fld id="{F0D7255A-4AD5-4D3E-9A0A-689DA3BA976C}" type="datetimeFigureOut">
               <a:rPr lang="en-US" smtClean="0"/>
-              <a:t>8/8/2020</a:t>
+              <a:t>9/26/2021</a:t>
             </a:fld>
             <a:endParaRPr lang="en-US" dirty="0"/>
           </a:p>
@@ -9639,7 +9639,7 @@
           <a:p>
             <a:fld id="{3EE0AD15-87AC-45B2-9EE5-8D165AF83CD7}" type="datetimeFigureOut">
               <a:rPr lang="en-US" smtClean="0"/>
-              <a:t>8/8/2020</a:t>
+              <a:t>9/26/2021</a:t>
             </a:fld>
             <a:endParaRPr lang="en-US" dirty="0"/>
           </a:p>
@@ -10552,7 +10552,7 @@
           <a:p>
             <a:fld id="{FCC40CCD-F0D6-4CC2-A4C8-2D7D0D875F02}" type="datetimeFigureOut">
               <a:rPr lang="en-US" smtClean="0"/>
-              <a:t>8/8/2020</a:t>
+              <a:t>9/26/2021</a:t>
             </a:fld>
             <a:endParaRPr lang="en-US" dirty="0"/>
           </a:p>
@@ -10865,7 +10865,7 @@
           <a:p>
             <a:fld id="{B3CFE2CC-454D-4466-AC55-B86DA0A87BAE}" type="datetimeFigureOut">
               <a:rPr lang="en-US" smtClean="0"/>
-              <a:t>8/8/2020</a:t>
+              <a:t>9/26/2021</a:t>
             </a:fld>
             <a:endParaRPr lang="en-US" dirty="0"/>
           </a:p>
@@ -11129,7 +11129,7 @@
           <a:p>
             <a:fld id="{B647B1BF-4039-460D-A637-65428CBD720E}" type="datetimeFigureOut">
               <a:rPr lang="en-US" smtClean="0"/>
-              <a:t>8/8/2020</a:t>
+              <a:t>9/26/2021</a:t>
             </a:fld>
             <a:endParaRPr lang="en-US" dirty="0"/>
           </a:p>
@@ -11453,7 +11453,7 @@
           <a:p>
             <a:fld id="{AAA39ACE-9343-4EBE-B5CA-AEA240A1DC53}" type="datetimeFigureOut">
               <a:rPr lang="en-US" smtClean="0"/>
-              <a:t>8/8/2020</a:t>
+              <a:t>9/26/2021</a:t>
             </a:fld>
             <a:endParaRPr lang="en-US" dirty="0"/>
           </a:p>
@@ -11842,7 +11842,7 @@
           <a:p>
             <a:fld id="{C9A00F7B-89C5-4DF7-A309-6263220147D4}" type="datetimeFigureOut">
               <a:rPr lang="en-US" smtClean="0"/>
-              <a:t>8/8/2020</a:t>
+              <a:t>9/26/2021</a:t>
             </a:fld>
             <a:endParaRPr lang="en-US" dirty="0"/>
           </a:p>
@@ -12218,7 +12218,7 @@
           <a:p>
             <a:fld id="{449C95DE-FD64-4606-AE61-EC1136867CC6}" type="datetimeFigureOut">
               <a:rPr lang="en-US" smtClean="0"/>
-              <a:t>8/8/2020</a:t>
+              <a:t>9/26/2021</a:t>
             </a:fld>
             <a:endParaRPr lang="en-US" dirty="0"/>
           </a:p>
@@ -12724,7 +12724,7 @@
           <a:p>
             <a:fld id="{5DEB0BBD-30FE-4CF1-900A-0C45149F8AF8}" type="datetimeFigureOut">
               <a:rPr lang="en-US" smtClean="0"/>
-              <a:t>8/8/2020</a:t>
+              <a:t>9/26/2021</a:t>
             </a:fld>
             <a:endParaRPr lang="en-US" dirty="0"/>
           </a:p>
@@ -12981,7 +12981,7 @@
           <a:p>
             <a:fld id="{B91A5F7F-3E81-4C65-A4D1-CB62D5B9DB91}" type="datetimeFigureOut">
               <a:rPr lang="en-US" smtClean="0"/>
-              <a:t>8/8/2020</a:t>
+              <a:t>9/26/2021</a:t>
             </a:fld>
             <a:endParaRPr lang="en-US" dirty="0"/>
           </a:p>
@@ -13144,7 +13144,7 @@
           <a:p>
             <a:fld id="{377ECC86-1672-4627-AEFE-EC5485C73905}" type="datetimeFigureOut">
               <a:rPr lang="en-US" smtClean="0"/>
-              <a:t>8/8/2020</a:t>
+              <a:t>9/26/2021</a:t>
             </a:fld>
             <a:endParaRPr lang="en-US" dirty="0"/>
           </a:p>
@@ -13534,7 +13534,7 @@
           <a:p>
             <a:fld id="{3CDCB01F-D966-4C62-B900-0BE008A90C98}" type="datetimeFigureOut">
               <a:rPr lang="en-US" smtClean="0"/>
-              <a:t>8/8/2020</a:t>
+              <a:t>9/26/2021</a:t>
             </a:fld>
             <a:endParaRPr lang="en-US" dirty="0"/>
           </a:p>
@@ -13943,7 +13943,7 @@
           <a:p>
             <a:fld id="{5E73A0EA-7DC7-4964-BB97-B173EF3B859A}" type="datetimeFigureOut">
               <a:rPr lang="en-US" smtClean="0"/>
-              <a:t>8/8/2020</a:t>
+              <a:t>9/26/2021</a:t>
             </a:fld>
             <a:endParaRPr lang="en-US" dirty="0"/>
           </a:p>
@@ -14187,7 +14187,7 @@
           <a:p>
             <a:fld id="{30EF52CC-F3D9-41D4-BCE4-C208E61A3F31}" type="datetimeFigureOut">
               <a:rPr lang="en-US" smtClean="0"/>
-              <a:t>8/8/2020</a:t>
+              <a:t>9/26/2021</a:t>
             </a:fld>
             <a:endParaRPr lang="en-US" dirty="0"/>
           </a:p>
@@ -16186,7 +16186,22 @@
             </a:pPr>
             <a:r>
               <a:rPr lang="zh-CN" altLang="en-US" dirty="0"/>
-              <a:t>调用函数时使用的是实参还是形参？</a:t>
+              <a:t>调用函数时使用的是实参还是形参</a:t>
+            </a:r>
+            <a:r>
+              <a:rPr lang="zh-CN" altLang="en-US" dirty="0" smtClean="0"/>
+              <a:t>？</a:t>
+            </a:r>
+            <a:endParaRPr lang="en-US" altLang="zh-CN" dirty="0" smtClean="0"/>
+          </a:p>
+          <a:p>
+            <a:pPr marL="914400" lvl="1" indent="-457200">
+              <a:buFont typeface="+mj-lt"/>
+              <a:buAutoNum type="arabicPeriod"/>
+            </a:pPr>
+            <a:r>
+              <a:rPr lang="zh-CN" altLang="en-US" dirty="0"/>
+              <a:t>形参</a:t>
             </a:r>
             <a:endParaRPr lang="en-US" altLang="zh-CN" dirty="0"/>
           </a:p>
@@ -16213,8 +16228,19 @@
             </a:r>
             <a:r>
               <a:rPr lang="zh-CN" altLang="en-US" dirty="0"/>
-              <a:t>这两个函数会有什么区别？</a:t>
-            </a:r>
+              <a:t>这两个函数会有什么区别</a:t>
+            </a:r>
+            <a:r>
+              <a:rPr lang="zh-CN" altLang="en-US" dirty="0" smtClean="0"/>
+              <a:t>？</a:t>
+            </a:r>
+            <a:endParaRPr lang="en-US" altLang="zh-CN" smtClean="0"/>
+          </a:p>
+          <a:p>
+            <a:pPr marL="914400" lvl="1" indent="-457200">
+              <a:buFont typeface="+mj-lt"/>
+              <a:buAutoNum type="arabicPeriod"/>
+            </a:pPr>
             <a:endParaRPr lang="en-US" altLang="zh-CN" dirty="0"/>
           </a:p>
           <a:p>
@@ -16442,6 +16468,67 @@
                       </p:childTnLst>
                     </p:cTn>
                   </p:par>
+                  <p:par>
+                    <p:cTn id="18" fill="hold">
+                      <p:stCondLst>
+                        <p:cond delay="indefinite"/>
+                      </p:stCondLst>
+                      <p:childTnLst>
+                        <p:par>
+                          <p:cTn id="19" fill="hold">
+                            <p:stCondLst>
+                              <p:cond delay="0"/>
+                            </p:stCondLst>
+                            <p:childTnLst>
+                              <p:par>
+                                <p:cTn id="20" presetID="10" presetClass="entr" presetSubtype="0" fill="hold" nodeType="clickEffect">
+                                  <p:stCondLst>
+                                    <p:cond delay="0"/>
+                                  </p:stCondLst>
+                                  <p:childTnLst>
+                                    <p:set>
+                                      <p:cBhvr>
+                                        <p:cTn id="21" dur="1" fill="hold">
+                                          <p:stCondLst>
+                                            <p:cond delay="0"/>
+                                          </p:stCondLst>
+                                        </p:cTn>
+                                        <p:tgtEl>
+                                          <p:spTgt spid="3">
+                                            <p:txEl>
+                                              <p:pRg st="4" end="4"/>
+                                            </p:txEl>
+                                          </p:spTgt>
+                                        </p:tgtEl>
+                                        <p:attrNameLst>
+                                          <p:attrName>style.visibility</p:attrName>
+                                        </p:attrNameLst>
+                                      </p:cBhvr>
+                                      <p:to>
+                                        <p:strVal val="visible"/>
+                                      </p:to>
+                                    </p:set>
+                                    <p:animEffect transition="in" filter="fade">
+                                      <p:cBhvr>
+                                        <p:cTn id="22" dur="500"/>
+                                        <p:tgtEl>
+                                          <p:spTgt spid="3">
+                                            <p:txEl>
+                                              <p:pRg st="4" end="4"/>
+                                            </p:txEl>
+                                          </p:spTgt>
+                                        </p:tgtEl>
+                                      </p:cBhvr>
+                                    </p:animEffect>
+                                  </p:childTnLst>
+                                </p:cTn>
+                              </p:par>
+                            </p:childTnLst>
+                          </p:cTn>
+                        </p:par>
+                      </p:childTnLst>
+                    </p:cTn>
+                  </p:par>
                 </p:childTnLst>
               </p:cTn>
               <p:prevCondLst>
@@ -16527,7 +16614,7 @@
                 <a16:creationId xmlns:a16="http://schemas.microsoft.com/office/drawing/2014/main" id="{8DCA3673-CDE4-40C5-9FA8-F89874CFBA73}"/>
               </a:ext>
               <a:ext uri="{C183D7F6-B498-43B3-948B-1728B52AA6E4}">
-                <adec:decorative xmlns:adec="http://schemas.microsoft.com/office/drawing/2017/decorative" val="1"/>
+                <adec:decorative xmlns:adec="http://schemas.microsoft.com/office/drawing/2017/decorative" xmlns="" val="1"/>
               </a:ext>
             </a:extLst>
           </p:cNvPr>
@@ -16584,7 +16671,7 @@
                 <a16:creationId xmlns:a16="http://schemas.microsoft.com/office/drawing/2014/main" id="{95756E8F-499C-4533-BBE8-309C3E8D985C}"/>
               </a:ext>
               <a:ext uri="{C183D7F6-B498-43B3-948B-1728B52AA6E4}">
-                <adec:decorative xmlns:adec="http://schemas.microsoft.com/office/drawing/2017/decorative" val="1"/>
+                <adec:decorative xmlns:adec="http://schemas.microsoft.com/office/drawing/2017/decorative" xmlns="" val="1"/>
               </a:ext>
             </a:extLst>
           </p:cNvPr>
@@ -16630,7 +16717,7 @@
                 <a16:creationId xmlns:a16="http://schemas.microsoft.com/office/drawing/2014/main" id="{0FFFD040-32A9-4D2B-86CA-599D030A4161}"/>
               </a:ext>
               <a:ext uri="{C183D7F6-B498-43B3-948B-1728B52AA6E4}">
-                <adec:decorative xmlns:adec="http://schemas.microsoft.com/office/drawing/2017/decorative" val="1"/>
+                <adec:decorative xmlns:adec="http://schemas.microsoft.com/office/drawing/2017/decorative" xmlns="" val="1"/>
               </a:ext>
             </a:extLst>
           </p:cNvPr>
@@ -16690,7 +16777,7 @@
                 <a16:creationId xmlns:a16="http://schemas.microsoft.com/office/drawing/2014/main" id="{863205CA-B7FF-4C25-A4C8-3BBBCE19D950}"/>
               </a:ext>
               <a:ext uri="{C183D7F6-B498-43B3-948B-1728B52AA6E4}">
-                <adec:decorative xmlns:adec="http://schemas.microsoft.com/office/drawing/2017/decorative" val="1"/>
+                <adec:decorative xmlns:adec="http://schemas.microsoft.com/office/drawing/2017/decorative" xmlns="" val="1"/>
               </a:ext>
             </a:extLst>
           </p:cNvPr>
@@ -16784,7 +16871,7 @@
                 <a16:creationId xmlns:a16="http://schemas.microsoft.com/office/drawing/2014/main" id="{306E3F32-3C1A-4B6E-AF26-8A15A788560F}"/>
               </a:ext>
               <a:ext uri="{C183D7F6-B498-43B3-948B-1728B52AA6E4}">
-                <adec:decorative xmlns:adec="http://schemas.microsoft.com/office/drawing/2017/decorative" val="1"/>
+                <adec:decorative xmlns:adec="http://schemas.microsoft.com/office/drawing/2017/decorative" xmlns="" val="1"/>
               </a:ext>
             </a:extLst>
           </p:cNvPr>
@@ -17081,7 +17168,7 @@
                 <a16:creationId xmlns:a16="http://schemas.microsoft.com/office/drawing/2014/main" id="{8DCA3673-CDE4-40C5-9FA8-F89874CFBA73}"/>
               </a:ext>
               <a:ext uri="{C183D7F6-B498-43B3-948B-1728B52AA6E4}">
-                <adec:decorative xmlns:adec="http://schemas.microsoft.com/office/drawing/2017/decorative" val="1"/>
+                <adec:decorative xmlns:adec="http://schemas.microsoft.com/office/drawing/2017/decorative" xmlns="" val="1"/>
               </a:ext>
             </a:extLst>
           </p:cNvPr>
@@ -17138,7 +17225,7 @@
                 <a16:creationId xmlns:a16="http://schemas.microsoft.com/office/drawing/2014/main" id="{95756E8F-499C-4533-BBE8-309C3E8D985C}"/>
               </a:ext>
               <a:ext uri="{C183D7F6-B498-43B3-948B-1728B52AA6E4}">
-                <adec:decorative xmlns:adec="http://schemas.microsoft.com/office/drawing/2017/decorative" val="1"/>
+                <adec:decorative xmlns:adec="http://schemas.microsoft.com/office/drawing/2017/decorative" xmlns="" val="1"/>
               </a:ext>
             </a:extLst>
           </p:cNvPr>
@@ -17184,7 +17271,7 @@
                 <a16:creationId xmlns:a16="http://schemas.microsoft.com/office/drawing/2014/main" id="{0FFFD040-32A9-4D2B-86CA-599D030A4161}"/>
               </a:ext>
               <a:ext uri="{C183D7F6-B498-43B3-948B-1728B52AA6E4}">
-                <adec:decorative xmlns:adec="http://schemas.microsoft.com/office/drawing/2017/decorative" val="1"/>
+                <adec:decorative xmlns:adec="http://schemas.microsoft.com/office/drawing/2017/decorative" xmlns="" val="1"/>
               </a:ext>
             </a:extLst>
           </p:cNvPr>
@@ -17244,7 +17331,7 @@
                 <a16:creationId xmlns:a16="http://schemas.microsoft.com/office/drawing/2014/main" id="{863205CA-B7FF-4C25-A4C8-3BBBCE19D950}"/>
               </a:ext>
               <a:ext uri="{C183D7F6-B498-43B3-948B-1728B52AA6E4}">
-                <adec:decorative xmlns:adec="http://schemas.microsoft.com/office/drawing/2017/decorative" val="1"/>
+                <adec:decorative xmlns:adec="http://schemas.microsoft.com/office/drawing/2017/decorative" xmlns="" val="1"/>
               </a:ext>
             </a:extLst>
           </p:cNvPr>
@@ -17338,7 +17425,7 @@
                 <a16:creationId xmlns:a16="http://schemas.microsoft.com/office/drawing/2014/main" id="{306E3F32-3C1A-4B6E-AF26-8A15A788560F}"/>
               </a:ext>
               <a:ext uri="{C183D7F6-B498-43B3-948B-1728B52AA6E4}">
-                <adec:decorative xmlns:adec="http://schemas.microsoft.com/office/drawing/2017/decorative" val="1"/>
+                <adec:decorative xmlns:adec="http://schemas.microsoft.com/office/drawing/2017/decorative" xmlns="" val="1"/>
               </a:ext>
             </a:extLst>
           </p:cNvPr>
